--- a/TEAM演示-Addtion from Patrick.pptx
+++ b/TEAM演示-Addtion from Patrick.pptx
@@ -22281,6 +22281,804 @@
           </a:graphicData>
         </a:graphic>
       </p:graphicFrame>
+      <p:sp>
+        <p:nvSpPr>
+          <p:cNvPr id="3" name="文本框 2">
+            <a:extLst>
+              <a:ext uri="{FF2B5EF4-FFF2-40B4-BE49-F238E27FC236}">
+                <a16:creationId xmlns:a16="http://schemas.microsoft.com/office/drawing/2014/main" id="{34A809A2-0C22-44D7-97F8-27EC1DCDB924}"/>
+              </a:ext>
+            </a:extLst>
+          </p:cNvPr>
+          <p:cNvSpPr txBox="1"/>
+          <p:nvPr/>
+        </p:nvSpPr>
+        <p:spPr>
+          <a:xfrm>
+            <a:off x="116175" y="72108"/>
+            <a:ext cx="3532653" cy="6694140"/>
+          </a:xfrm>
+          <a:prstGeom prst="rect">
+            <a:avLst/>
+          </a:prstGeom>
+          <a:solidFill>
+            <a:schemeClr val="bg2"/>
+          </a:solidFill>
+        </p:spPr>
+        <p:txBody>
+          <a:bodyPr wrap="square" rtlCol="0">
+            <a:spAutoFit/>
+          </a:bodyPr>
+          <a:lstStyle/>
+          <a:p>
+            <a:r>
+              <a:rPr lang="en-US" altLang="zh-CN" sz="1100" dirty="0"/>
+              <a:t>Feature:</a:t>
+            </a:r>
+            <a:r>
+              <a:rPr lang="zh-CN" altLang="en-US" sz="1100" dirty="0"/>
+              <a:t>提钱。</a:t>
+            </a:r>
+          </a:p>
+          <a:p>
+            <a:r>
+              <a:rPr lang="en-US" altLang="zh-CN" sz="1100" dirty="0" err="1"/>
+              <a:t>Scenario:ATM</a:t>
+            </a:r>
+            <a:r>
+              <a:rPr lang="zh-CN" altLang="en-US" sz="1100" dirty="0"/>
+              <a:t>用户从一个有效的银行账户中取钱。</a:t>
+            </a:r>
+          </a:p>
+          <a:p>
+            <a:r>
+              <a:rPr lang="en-US" altLang="zh-CN" sz="1100" dirty="0"/>
+              <a:t>Given:</a:t>
+            </a:r>
+          </a:p>
+          <a:p>
+            <a:r>
+              <a:rPr lang="zh-CN" altLang="en-US" sz="1100" dirty="0"/>
+              <a:t>系统处于空闲状态。</a:t>
+            </a:r>
+          </a:p>
+          <a:p>
+            <a:r>
+              <a:rPr lang="zh-CN" altLang="en-US" sz="1100" dirty="0"/>
+              <a:t>系统显示欢迎信息。</a:t>
+            </a:r>
+          </a:p>
+          <a:p>
+            <a:r>
+              <a:rPr lang="en-US" altLang="zh-CN" sz="1100" dirty="0"/>
+              <a:t>When:</a:t>
+            </a:r>
+          </a:p>
+          <a:p>
+            <a:r>
+              <a:rPr lang="zh-CN" altLang="en-US" sz="1100" dirty="0"/>
+              <a:t>系统检测到卡。</a:t>
+            </a:r>
+          </a:p>
+          <a:p>
+            <a:r>
+              <a:rPr lang="zh-CN" altLang="en-US" sz="1100" dirty="0"/>
+              <a:t>系统判断该卡为有效卡。</a:t>
+            </a:r>
+          </a:p>
+          <a:p>
+            <a:r>
+              <a:rPr lang="zh-CN" altLang="en-US" sz="1100" dirty="0"/>
+              <a:t>系统展示登陆界面。</a:t>
+            </a:r>
+          </a:p>
+          <a:p>
+            <a:r>
+              <a:rPr lang="en-US" altLang="zh-CN" sz="1100" dirty="0"/>
+              <a:t>ATM</a:t>
+            </a:r>
+            <a:r>
+              <a:rPr lang="zh-CN" altLang="en-US" sz="1100" dirty="0"/>
+              <a:t>用户输入密码。</a:t>
+            </a:r>
+          </a:p>
+          <a:p>
+            <a:r>
+              <a:rPr lang="zh-CN" altLang="en-US" sz="1100" dirty="0"/>
+              <a:t>如果密码错误，那么输入密码，直到密码正确或输错三次。</a:t>
+            </a:r>
+          </a:p>
+          <a:p>
+            <a:r>
+              <a:rPr lang="zh-CN" altLang="en-US" sz="1100" dirty="0"/>
+              <a:t>系统判断输入密码正确。</a:t>
+            </a:r>
+          </a:p>
+          <a:p>
+            <a:r>
+              <a:rPr lang="zh-CN" altLang="en-US" sz="1100" dirty="0"/>
+              <a:t>系统展示登陆成功后的界面。</a:t>
+            </a:r>
+          </a:p>
+          <a:p>
+            <a:r>
+              <a:rPr lang="en-US" altLang="zh-CN" sz="1100" dirty="0"/>
+              <a:t>ATM</a:t>
+            </a:r>
+            <a:r>
+              <a:rPr lang="zh-CN" altLang="en-US" sz="1100" dirty="0"/>
+              <a:t>用户点击“取款”按钮。</a:t>
+            </a:r>
+          </a:p>
+          <a:p>
+            <a:r>
+              <a:rPr lang="en-US" altLang="zh-CN" sz="1100" dirty="0"/>
+              <a:t>ATM</a:t>
+            </a:r>
+            <a:r>
+              <a:rPr lang="zh-CN" altLang="en-US" sz="1100" dirty="0"/>
+              <a:t>用户输入取款数目</a:t>
+            </a:r>
+            <a:r>
+              <a:rPr lang="en-US" altLang="zh-CN" sz="1100" dirty="0"/>
+              <a:t>200</a:t>
+            </a:r>
+            <a:r>
+              <a:rPr lang="zh-CN" altLang="en-US" sz="1100" dirty="0"/>
+              <a:t>元钱。</a:t>
+            </a:r>
+          </a:p>
+          <a:p>
+            <a:r>
+              <a:rPr lang="en-US" altLang="zh-CN" sz="1100" dirty="0"/>
+              <a:t>ATM</a:t>
+            </a:r>
+            <a:r>
+              <a:rPr lang="zh-CN" altLang="en-US" sz="1100" dirty="0"/>
+              <a:t>用户选择取款账户。</a:t>
+            </a:r>
+          </a:p>
+          <a:p>
+            <a:r>
+              <a:rPr lang="zh-CN" altLang="en-US" sz="1100" dirty="0"/>
+              <a:t>系统判断用户选择的账户号有效。</a:t>
+            </a:r>
+          </a:p>
+          <a:p>
+            <a:r>
+              <a:rPr lang="zh-CN" altLang="en-US" sz="1100" dirty="0"/>
+              <a:t>系统判断</a:t>
+            </a:r>
+            <a:r>
+              <a:rPr lang="en-US" altLang="zh-CN" sz="1100" dirty="0"/>
+              <a:t>ATM</a:t>
+            </a:r>
+            <a:r>
+              <a:rPr lang="zh-CN" altLang="en-US" sz="1100" dirty="0"/>
+              <a:t>用户在该账户中的资金多于</a:t>
+            </a:r>
+            <a:r>
+              <a:rPr lang="en-US" altLang="zh-CN" sz="1100" dirty="0"/>
+              <a:t>200</a:t>
+            </a:r>
+            <a:r>
+              <a:rPr lang="zh-CN" altLang="en-US" sz="1100" dirty="0"/>
+              <a:t>元钱。</a:t>
+            </a:r>
+          </a:p>
+          <a:p>
+            <a:r>
+              <a:rPr lang="zh-CN" altLang="en-US" sz="1100" dirty="0"/>
+              <a:t>系统判断</a:t>
+            </a:r>
+            <a:r>
+              <a:rPr lang="en-US" altLang="zh-CN" sz="1100" dirty="0"/>
+              <a:t>200</a:t>
+            </a:r>
+            <a:r>
+              <a:rPr lang="zh-CN" altLang="en-US" sz="1100" dirty="0"/>
+              <a:t>元钱小于每日提取金额限制。</a:t>
+            </a:r>
+          </a:p>
+          <a:p>
+            <a:r>
+              <a:rPr lang="zh-CN" altLang="en-US" sz="1100" dirty="0"/>
+              <a:t>系统判断</a:t>
+            </a:r>
+            <a:r>
+              <a:rPr lang="en-US" altLang="zh-CN" sz="1100" dirty="0"/>
+              <a:t>ATM</a:t>
+            </a:r>
+            <a:r>
+              <a:rPr lang="zh-CN" altLang="en-US" sz="1100" dirty="0"/>
+              <a:t>机中的资金不小于</a:t>
+            </a:r>
+            <a:r>
+              <a:rPr lang="en-US" altLang="zh-CN" sz="1100" dirty="0"/>
+              <a:t>200</a:t>
+            </a:r>
+            <a:r>
+              <a:rPr lang="zh-CN" altLang="en-US" sz="1100" dirty="0"/>
+              <a:t>元钱。</a:t>
+            </a:r>
+          </a:p>
+          <a:p>
+            <a:r>
+              <a:rPr lang="zh-CN" altLang="en-US" sz="1100" dirty="0"/>
+              <a:t>系统分发现金。</a:t>
+            </a:r>
+          </a:p>
+          <a:p>
+            <a:r>
+              <a:rPr lang="zh-CN" altLang="en-US" sz="1100" dirty="0"/>
+              <a:t>系统展示交易信息。</a:t>
+            </a:r>
+          </a:p>
+          <a:p>
+            <a:r>
+              <a:rPr lang="zh-CN" altLang="en-US" sz="1100" dirty="0"/>
+              <a:t>系统退卡。</a:t>
+            </a:r>
+          </a:p>
+          <a:p>
+            <a:r>
+              <a:rPr lang="zh-CN" altLang="en-US" sz="1100" dirty="0"/>
+              <a:t>系统展示欢迎信息。</a:t>
+            </a:r>
+          </a:p>
+          <a:p>
+            <a:r>
+              <a:rPr lang="en-US" altLang="zh-CN" sz="1100" dirty="0"/>
+              <a:t>Then:</a:t>
+            </a:r>
+          </a:p>
+          <a:p>
+            <a:r>
+              <a:rPr lang="en-US" altLang="zh-CN" sz="1100" dirty="0"/>
+              <a:t>ATM</a:t>
+            </a:r>
+            <a:r>
+              <a:rPr lang="zh-CN" altLang="en-US" sz="1100" dirty="0"/>
+              <a:t>用户成功取到</a:t>
+            </a:r>
+            <a:r>
+              <a:rPr lang="en-US" altLang="zh-CN" sz="1100" dirty="0"/>
+              <a:t>200</a:t>
+            </a:r>
+            <a:r>
+              <a:rPr lang="zh-CN" altLang="en-US" sz="1100" dirty="0"/>
+              <a:t>元钱。</a:t>
+            </a:r>
+          </a:p>
+          <a:p>
+            <a:endParaRPr lang="zh-CN" altLang="en-US" sz="1100" dirty="0"/>
+          </a:p>
+          <a:p>
+            <a:r>
+              <a:rPr lang="en-US" altLang="zh-CN" sz="1100" dirty="0"/>
+              <a:t>Feature:</a:t>
+            </a:r>
+            <a:r>
+              <a:rPr lang="zh-CN" altLang="en-US" sz="1100" dirty="0"/>
+              <a:t>提钱。</a:t>
+            </a:r>
+          </a:p>
+          <a:p>
+            <a:r>
+              <a:rPr lang="en-US" altLang="zh-CN" sz="1100" dirty="0" err="1"/>
+              <a:t>Scenario:ATM</a:t>
+            </a:r>
+            <a:r>
+              <a:rPr lang="zh-CN" altLang="en-US" sz="1100" dirty="0"/>
+              <a:t>用户输入的卡是无效卡。</a:t>
+            </a:r>
+          </a:p>
+          <a:p>
+            <a:r>
+              <a:rPr lang="en-US" altLang="zh-CN" sz="1100" dirty="0"/>
+              <a:t>Given:</a:t>
+            </a:r>
+          </a:p>
+          <a:p>
+            <a:r>
+              <a:rPr lang="zh-CN" altLang="en-US" sz="1100" dirty="0"/>
+              <a:t>系统处于空闲状态。</a:t>
+            </a:r>
+          </a:p>
+          <a:p>
+            <a:r>
+              <a:rPr lang="zh-CN" altLang="en-US" sz="1100" dirty="0"/>
+              <a:t>系统显示欢迎信息。</a:t>
+            </a:r>
+          </a:p>
+          <a:p>
+            <a:r>
+              <a:rPr lang="zh-CN" altLang="en-US" sz="1100" dirty="0"/>
+              <a:t>系统判断该卡为无效卡。</a:t>
+            </a:r>
+          </a:p>
+          <a:p>
+            <a:r>
+              <a:rPr lang="en-US" altLang="zh-CN" sz="1100" dirty="0"/>
+              <a:t>When:</a:t>
+            </a:r>
+          </a:p>
+          <a:p>
+            <a:r>
+              <a:rPr lang="zh-CN" altLang="en-US" sz="1100" dirty="0"/>
+              <a:t>系统退卡。</a:t>
+            </a:r>
+          </a:p>
+          <a:p>
+            <a:r>
+              <a:rPr lang="zh-CN" altLang="en-US" sz="1100" dirty="0"/>
+              <a:t>系统显示欢迎信息。</a:t>
+            </a:r>
+          </a:p>
+          <a:p>
+            <a:r>
+              <a:rPr lang="en-US" altLang="zh-CN" sz="1100" dirty="0"/>
+              <a:t>Then:</a:t>
+            </a:r>
+          </a:p>
+          <a:p>
+            <a:r>
+              <a:rPr lang="zh-CN" altLang="en-US" sz="1100" dirty="0"/>
+              <a:t>系统处于空闲状态</a:t>
+            </a:r>
+          </a:p>
+        </p:txBody>
+      </p:sp>
+      <p:sp>
+        <p:nvSpPr>
+          <p:cNvPr id="8" name="文本框 7">
+            <a:extLst>
+              <a:ext uri="{FF2B5EF4-FFF2-40B4-BE49-F238E27FC236}">
+                <a16:creationId xmlns:a16="http://schemas.microsoft.com/office/drawing/2014/main" id="{F9F53ADE-3375-40A2-9790-59CE0635D3AD}"/>
+              </a:ext>
+            </a:extLst>
+          </p:cNvPr>
+          <p:cNvSpPr txBox="1"/>
+          <p:nvPr/>
+        </p:nvSpPr>
+        <p:spPr>
+          <a:xfrm>
+            <a:off x="3648828" y="72108"/>
+            <a:ext cx="2963917" cy="7032694"/>
+          </a:xfrm>
+          <a:prstGeom prst="rect">
+            <a:avLst/>
+          </a:prstGeom>
+          <a:solidFill>
+            <a:schemeClr val="bg2"/>
+          </a:solidFill>
+        </p:spPr>
+        <p:txBody>
+          <a:bodyPr wrap="square" rtlCol="0">
+            <a:spAutoFit/>
+          </a:bodyPr>
+          <a:lstStyle/>
+          <a:p>
+            <a:r>
+              <a:rPr lang="en-US" altLang="zh-CN" sz="1100" dirty="0"/>
+              <a:t>Feature:</a:t>
+            </a:r>
+            <a:r>
+              <a:rPr lang="zh-CN" altLang="en-US" sz="1100" dirty="0"/>
+              <a:t>提钱</a:t>
+            </a:r>
+          </a:p>
+          <a:p>
+            <a:r>
+              <a:rPr lang="en-US" altLang="zh-CN" sz="1100" dirty="0" err="1"/>
+              <a:t>Scenario:ATM</a:t>
+            </a:r>
+            <a:r>
+              <a:rPr lang="zh-CN" altLang="en-US" sz="1100" dirty="0"/>
+              <a:t>用户三次输入密码错误。 </a:t>
+            </a:r>
+          </a:p>
+          <a:p>
+            <a:r>
+              <a:rPr lang="en-US" altLang="zh-CN" sz="1100" dirty="0"/>
+              <a:t>Given:</a:t>
+            </a:r>
+          </a:p>
+          <a:p>
+            <a:r>
+              <a:rPr lang="zh-CN" altLang="en-US" sz="1100" dirty="0"/>
+              <a:t>系统处于空闲状态。</a:t>
+            </a:r>
+          </a:p>
+          <a:p>
+            <a:r>
+              <a:rPr lang="zh-CN" altLang="en-US" sz="1100" dirty="0"/>
+              <a:t>系统显示欢迎信息。</a:t>
+            </a:r>
+          </a:p>
+          <a:p>
+            <a:r>
+              <a:rPr lang="zh-CN" altLang="en-US" sz="1100" dirty="0"/>
+              <a:t>系统判断输入密码错误。</a:t>
+            </a:r>
+          </a:p>
+          <a:p>
+            <a:r>
+              <a:rPr lang="en-US" altLang="zh-CN" sz="1100" dirty="0"/>
+              <a:t>When:</a:t>
+            </a:r>
+          </a:p>
+          <a:p>
+            <a:r>
+              <a:rPr lang="zh-CN" altLang="en-US" sz="1100" dirty="0"/>
+              <a:t>系统提示三次输入密码错误同时系统吞卡。</a:t>
+            </a:r>
+          </a:p>
+          <a:p>
+            <a:r>
+              <a:rPr lang="zh-CN" altLang="en-US" sz="1100" dirty="0"/>
+              <a:t>系统展示欢迎信息。</a:t>
+            </a:r>
+          </a:p>
+          <a:p>
+            <a:r>
+              <a:rPr lang="en-US" altLang="zh-CN" sz="1100" dirty="0"/>
+              <a:t>Then:</a:t>
+            </a:r>
+          </a:p>
+          <a:p>
+            <a:r>
+              <a:rPr lang="zh-CN" altLang="en-US" sz="1100" dirty="0"/>
+              <a:t>系统处于空闲状态。</a:t>
+            </a:r>
+          </a:p>
+          <a:p>
+            <a:r>
+              <a:rPr lang="en-US" altLang="zh-CN" sz="1100" dirty="0"/>
+              <a:t>ATM</a:t>
+            </a:r>
+            <a:r>
+              <a:rPr lang="zh-CN" altLang="en-US" sz="1100" dirty="0"/>
+              <a:t>用户失去插入的卡。</a:t>
+            </a:r>
+          </a:p>
+          <a:p>
+            <a:endParaRPr lang="zh-CN" altLang="en-US" sz="1100" dirty="0"/>
+          </a:p>
+          <a:p>
+            <a:r>
+              <a:rPr lang="en-US" altLang="zh-CN" sz="1100" dirty="0"/>
+              <a:t>Feature:</a:t>
+            </a:r>
+            <a:r>
+              <a:rPr lang="zh-CN" altLang="en-US" sz="1100" dirty="0"/>
+              <a:t>提钱</a:t>
+            </a:r>
+          </a:p>
+          <a:p>
+            <a:r>
+              <a:rPr lang="en-US" altLang="zh-CN" sz="1100" dirty="0" err="1"/>
+              <a:t>Scenario:ATM</a:t>
+            </a:r>
+            <a:r>
+              <a:rPr lang="zh-CN" altLang="en-US" sz="1100" dirty="0"/>
+              <a:t>用户在任何情况下都可以退出系统。</a:t>
+            </a:r>
+          </a:p>
+          <a:p>
+            <a:r>
+              <a:rPr lang="en-US" altLang="zh-CN" sz="1100" dirty="0"/>
+              <a:t>Given:</a:t>
+            </a:r>
+          </a:p>
+          <a:p>
+            <a:r>
+              <a:rPr lang="zh-CN" altLang="en-US" sz="1100" dirty="0"/>
+              <a:t>系统处于空闲状态。</a:t>
+            </a:r>
+          </a:p>
+          <a:p>
+            <a:r>
+              <a:rPr lang="zh-CN" altLang="en-US" sz="1100" dirty="0"/>
+              <a:t>系统显示欢迎信息。</a:t>
+            </a:r>
+          </a:p>
+          <a:p>
+            <a:r>
+              <a:rPr lang="en-US" altLang="zh-CN" sz="1100" dirty="0"/>
+              <a:t>ATM</a:t>
+            </a:r>
+            <a:r>
+              <a:rPr lang="zh-CN" altLang="en-US" sz="1100" dirty="0"/>
+              <a:t>用户在任何情况下选择“取消”操作。</a:t>
+            </a:r>
+          </a:p>
+          <a:p>
+            <a:r>
+              <a:rPr lang="en-US" altLang="zh-CN" sz="1100" dirty="0"/>
+              <a:t>When:</a:t>
+            </a:r>
+          </a:p>
+          <a:p>
+            <a:r>
+              <a:rPr lang="zh-CN" altLang="en-US" sz="1100" dirty="0"/>
+              <a:t>系统取消交易同时系统退卡。</a:t>
+            </a:r>
+          </a:p>
+          <a:p>
+            <a:r>
+              <a:rPr lang="zh-CN" altLang="en-US" sz="1100" dirty="0"/>
+              <a:t>系统展示欢迎信息。</a:t>
+            </a:r>
+          </a:p>
+          <a:p>
+            <a:r>
+              <a:rPr lang="en-US" altLang="zh-CN" sz="1100" dirty="0"/>
+              <a:t>Then:</a:t>
+            </a:r>
+          </a:p>
+          <a:p>
+            <a:r>
+              <a:rPr lang="zh-CN" altLang="en-US" sz="1100" dirty="0"/>
+              <a:t>系统处于空闲状态。</a:t>
+            </a:r>
+          </a:p>
+          <a:p>
+            <a:r>
+              <a:rPr lang="zh-CN" altLang="en-US" sz="1100" dirty="0"/>
+              <a:t>系统展示欢迎信息。</a:t>
+            </a:r>
+          </a:p>
+          <a:p>
+            <a:endParaRPr lang="zh-CN" altLang="en-US" sz="1100" dirty="0"/>
+          </a:p>
+          <a:p>
+            <a:r>
+              <a:rPr lang="en-US" altLang="zh-CN" sz="1100" dirty="0"/>
+              <a:t>Feature:</a:t>
+            </a:r>
+            <a:r>
+              <a:rPr lang="zh-CN" altLang="en-US" sz="1100" dirty="0"/>
+              <a:t>提钱</a:t>
+            </a:r>
+          </a:p>
+          <a:p>
+            <a:r>
+              <a:rPr lang="en-US" altLang="zh-CN" sz="1100" dirty="0" err="1"/>
+              <a:t>Scenario:ATM</a:t>
+            </a:r>
+            <a:r>
+              <a:rPr lang="zh-CN" altLang="en-US" sz="1100" dirty="0"/>
+              <a:t>机中的资金不足。</a:t>
+            </a:r>
+          </a:p>
+          <a:p>
+            <a:r>
+              <a:rPr lang="en-US" altLang="zh-CN" sz="1100" dirty="0"/>
+              <a:t>Given:</a:t>
+            </a:r>
+          </a:p>
+          <a:p>
+            <a:r>
+              <a:rPr lang="zh-CN" altLang="en-US" sz="1100" dirty="0"/>
+              <a:t>系统处于空闲状态。</a:t>
+            </a:r>
+          </a:p>
+          <a:p>
+            <a:r>
+              <a:rPr lang="zh-CN" altLang="en-US" sz="1100" dirty="0"/>
+              <a:t>系统显示欢迎信息。</a:t>
+            </a:r>
+          </a:p>
+          <a:p>
+            <a:r>
+              <a:rPr lang="en-US" altLang="zh-CN" sz="1100" dirty="0"/>
+              <a:t>ATM</a:t>
+            </a:r>
+            <a:r>
+              <a:rPr lang="zh-CN" altLang="en-US" sz="1100" dirty="0"/>
+              <a:t>机中的资金小于</a:t>
+            </a:r>
+            <a:r>
+              <a:rPr lang="en-US" altLang="zh-CN" sz="1100" dirty="0"/>
+              <a:t>200</a:t>
+            </a:r>
+            <a:r>
+              <a:rPr lang="zh-CN" altLang="en-US" sz="1100" dirty="0"/>
+              <a:t>元钱。</a:t>
+            </a:r>
+          </a:p>
+          <a:p>
+            <a:r>
+              <a:rPr lang="en-US" altLang="zh-CN" sz="1100" dirty="0"/>
+              <a:t>When:</a:t>
+            </a:r>
+          </a:p>
+          <a:p>
+            <a:r>
+              <a:rPr lang="zh-CN" altLang="en-US" sz="1100" dirty="0"/>
+              <a:t>系统展示“</a:t>
+            </a:r>
+            <a:r>
+              <a:rPr lang="en-US" altLang="zh-CN" sz="1100" dirty="0"/>
+              <a:t>ATM</a:t>
+            </a:r>
+            <a:r>
+              <a:rPr lang="zh-CN" altLang="en-US" sz="1100" dirty="0"/>
+              <a:t>机中的资金不足”。</a:t>
+            </a:r>
+          </a:p>
+          <a:p>
+            <a:r>
+              <a:rPr lang="zh-CN" altLang="en-US" sz="1100" dirty="0"/>
+              <a:t>系统退卡。</a:t>
+            </a:r>
+          </a:p>
+          <a:p>
+            <a:r>
+              <a:rPr lang="en-US" altLang="zh-CN" sz="1100" dirty="0"/>
+              <a:t>Then:</a:t>
+            </a:r>
+          </a:p>
+          <a:p>
+            <a:r>
+              <a:rPr lang="en-US" altLang="zh-CN" sz="1100" dirty="0"/>
+              <a:t>ATM</a:t>
+            </a:r>
+            <a:r>
+              <a:rPr lang="zh-CN" altLang="en-US" sz="1100" dirty="0"/>
+              <a:t>用户的资金没有被取出。</a:t>
+            </a:r>
+          </a:p>
+          <a:p>
+            <a:r>
+              <a:rPr lang="zh-CN" altLang="en-US" sz="1100" dirty="0"/>
+              <a:t>系统处于空闲状态。</a:t>
+            </a:r>
+          </a:p>
+          <a:p>
+            <a:r>
+              <a:rPr lang="zh-CN" altLang="en-US" sz="1100" dirty="0"/>
+              <a:t>系统展示欢迎信息。</a:t>
+            </a:r>
+          </a:p>
+          <a:p>
+            <a:endParaRPr lang="zh-CN" altLang="en-US" sz="1100" dirty="0"/>
+          </a:p>
+        </p:txBody>
+      </p:sp>
+      <p:sp>
+        <p:nvSpPr>
+          <p:cNvPr id="9" name="文本框 8">
+            <a:extLst>
+              <a:ext uri="{FF2B5EF4-FFF2-40B4-BE49-F238E27FC236}">
+                <a16:creationId xmlns:a16="http://schemas.microsoft.com/office/drawing/2014/main" id="{ADC5D09C-0975-4317-BC8E-93F245580659}"/>
+              </a:ext>
+            </a:extLst>
+          </p:cNvPr>
+          <p:cNvSpPr txBox="1"/>
+          <p:nvPr/>
+        </p:nvSpPr>
+        <p:spPr>
+          <a:xfrm>
+            <a:off x="6612745" y="79729"/>
+            <a:ext cx="2531255" cy="2631490"/>
+          </a:xfrm>
+          <a:prstGeom prst="rect">
+            <a:avLst/>
+          </a:prstGeom>
+          <a:solidFill>
+            <a:schemeClr val="bg2"/>
+          </a:solidFill>
+        </p:spPr>
+        <p:txBody>
+          <a:bodyPr wrap="square" rtlCol="0">
+            <a:spAutoFit/>
+          </a:bodyPr>
+          <a:lstStyle/>
+          <a:p>
+            <a:r>
+              <a:rPr lang="en-US" altLang="zh-CN" sz="1100" dirty="0"/>
+              <a:t>Feature:</a:t>
+            </a:r>
+            <a:r>
+              <a:rPr lang="zh-CN" altLang="en-US" sz="1100" dirty="0"/>
+              <a:t>提钱</a:t>
+            </a:r>
+          </a:p>
+          <a:p>
+            <a:r>
+              <a:rPr lang="en-US" altLang="zh-CN" sz="1100" dirty="0"/>
+              <a:t>Scenario:</a:t>
+            </a:r>
+            <a:r>
+              <a:rPr lang="zh-CN" altLang="en-US" sz="1100" dirty="0"/>
+              <a:t>系统检测出该次交易并不合法。</a:t>
+            </a:r>
+          </a:p>
+          <a:p>
+            <a:r>
+              <a:rPr lang="en-US" altLang="zh-CN" sz="1100" dirty="0"/>
+              <a:t>Given:</a:t>
+            </a:r>
+          </a:p>
+          <a:p>
+            <a:r>
+              <a:rPr lang="zh-CN" altLang="en-US" sz="1100" dirty="0"/>
+              <a:t>系统处于空闲状态。</a:t>
+            </a:r>
+          </a:p>
+          <a:p>
+            <a:r>
+              <a:rPr lang="zh-CN" altLang="en-US" sz="1100" dirty="0"/>
+              <a:t>系统显示欢迎信息。</a:t>
+            </a:r>
+          </a:p>
+          <a:p>
+            <a:r>
+              <a:rPr lang="zh-CN" altLang="en-US" sz="1100" dirty="0"/>
+              <a:t>用户选择的账户号无效或</a:t>
+            </a:r>
+            <a:r>
+              <a:rPr lang="en-US" altLang="zh-CN" sz="1100" dirty="0"/>
+              <a:t>ATM</a:t>
+            </a:r>
+            <a:r>
+              <a:rPr lang="zh-CN" altLang="en-US" sz="1100" dirty="0"/>
+              <a:t>用户在该账户中的资金不足</a:t>
+            </a:r>
+            <a:r>
+              <a:rPr lang="en-US" altLang="zh-CN" sz="1100" dirty="0"/>
+              <a:t>200</a:t>
+            </a:r>
+            <a:r>
+              <a:rPr lang="zh-CN" altLang="en-US" sz="1100" dirty="0"/>
+              <a:t>元钱或</a:t>
+            </a:r>
+            <a:r>
+              <a:rPr lang="en-US" altLang="zh-CN" sz="1100" dirty="0"/>
+              <a:t>200</a:t>
+            </a:r>
+            <a:r>
+              <a:rPr lang="zh-CN" altLang="en-US" sz="1100" dirty="0"/>
+              <a:t>元钱大于每日提取金额限制。</a:t>
+            </a:r>
+          </a:p>
+          <a:p>
+            <a:r>
+              <a:rPr lang="en-US" altLang="zh-CN" sz="1100" dirty="0"/>
+              <a:t>When:</a:t>
+            </a:r>
+          </a:p>
+          <a:p>
+            <a:r>
+              <a:rPr lang="zh-CN" altLang="en-US" sz="1100" dirty="0"/>
+              <a:t>系统展示抱歉信息并同时退卡。</a:t>
+            </a:r>
+          </a:p>
+          <a:p>
+            <a:r>
+              <a:rPr lang="en-US" altLang="zh-CN" sz="1100" dirty="0"/>
+              <a:t>Then:</a:t>
+            </a:r>
+          </a:p>
+          <a:p>
+            <a:r>
+              <a:rPr lang="zh-CN" altLang="en-US" sz="1100" dirty="0"/>
+              <a:t>系统处于空闲状态。</a:t>
+            </a:r>
+          </a:p>
+          <a:p>
+            <a:r>
+              <a:rPr lang="zh-CN" altLang="en-US" sz="1100" dirty="0"/>
+              <a:t>系统展示欢迎信息。</a:t>
+            </a:r>
+          </a:p>
+          <a:p>
+            <a:endParaRPr lang="zh-CN" altLang="en-US" sz="1100" dirty="0"/>
+          </a:p>
+        </p:txBody>
+      </p:sp>
       <p:pic>
         <p:nvPicPr>
           <p:cNvPr id="5" name="图片 4">
@@ -22303,7 +23101,7 @@
         </p:blipFill>
         <p:spPr>
           <a:xfrm>
-            <a:off x="-21129" y="96285"/>
+            <a:off x="116175" y="0"/>
             <a:ext cx="8267168" cy="5892104"/>
           </a:xfrm>
           <a:prstGeom prst="rect">
@@ -22363,7 +23161,7 @@
         </p:blipFill>
         <p:spPr>
           <a:xfrm>
-            <a:off x="489729" y="96285"/>
+            <a:off x="599130" y="143854"/>
             <a:ext cx="8164542" cy="6568915"/>
           </a:xfrm>
           <a:prstGeom prst="rect">
@@ -22423,7 +23221,7 @@
         </p:blipFill>
         <p:spPr>
           <a:xfrm>
-            <a:off x="1119850" y="105581"/>
+            <a:off x="1103164" y="494971"/>
             <a:ext cx="8024150" cy="5692953"/>
           </a:xfrm>
           <a:prstGeom prst="rect">
@@ -22483,7 +23281,7 @@
         </p:blipFill>
         <p:spPr>
           <a:xfrm>
-            <a:off x="304016" y="0"/>
+            <a:off x="441320" y="20137"/>
             <a:ext cx="7616877" cy="6858000"/>
           </a:xfrm>
           <a:prstGeom prst="rect">
@@ -22552,7 +23350,7 @@
                             </p:stCondLst>
                             <p:childTnLst>
                               <p:par>
-                                <p:cTn id="5" presetID="1" presetClass="entr" presetSubtype="0" fill="hold" nodeType="clickEffect">
+                                <p:cTn id="5" presetID="1" presetClass="entr" presetSubtype="0" fill="hold" grpId="0" nodeType="clickEffect">
                                   <p:stCondLst>
                                     <p:cond delay="0"/>
                                   </p:stCondLst>
@@ -22565,7 +23363,7 @@
                                           </p:stCondLst>
                                         </p:cTn>
                                         <p:tgtEl>
-                                          <p:spTgt spid="5"/>
+                                          <p:spTgt spid="3"/>
                                         </p:tgtEl>
                                         <p:attrNameLst>
                                           <p:attrName>style.visibility</p:attrName>
@@ -22597,7 +23395,7 @@
                             </p:stCondLst>
                             <p:childTnLst>
                               <p:par>
-                                <p:cTn id="9" presetID="1" presetClass="entr" presetSubtype="0" fill="hold" nodeType="clickEffect">
+                                <p:cTn id="9" presetID="1" presetClass="entr" presetSubtype="0" fill="hold" grpId="0" nodeType="clickEffect">
                                   <p:stCondLst>
                                     <p:cond delay="0"/>
                                   </p:stCondLst>
@@ -22610,7 +23408,7 @@
                                           </p:stCondLst>
                                         </p:cTn>
                                         <p:tgtEl>
-                                          <p:spTgt spid="4"/>
+                                          <p:spTgt spid="8"/>
                                         </p:tgtEl>
                                         <p:attrNameLst>
                                           <p:attrName>style.visibility</p:attrName>
@@ -22642,7 +23440,7 @@
                             </p:stCondLst>
                             <p:childTnLst>
                               <p:par>
-                                <p:cTn id="13" presetID="1" presetClass="entr" presetSubtype="0" fill="hold" nodeType="clickEffect">
+                                <p:cTn id="13" presetID="1" presetClass="entr" presetSubtype="0" fill="hold" grpId="0" nodeType="clickEffect">
                                   <p:stCondLst>
                                     <p:cond delay="0"/>
                                   </p:stCondLst>
@@ -22655,7 +23453,7 @@
                                           </p:stCondLst>
                                         </p:cTn>
                                         <p:tgtEl>
-                                          <p:spTgt spid="6"/>
+                                          <p:spTgt spid="9"/>
                                         </p:tgtEl>
                                         <p:attrNameLst>
                                           <p:attrName>style.visibility</p:attrName>
@@ -22695,6 +23493,141 @@
                                     <p:set>
                                       <p:cBhvr>
                                         <p:cTn id="18" dur="1" fill="hold">
+                                          <p:stCondLst>
+                                            <p:cond delay="0"/>
+                                          </p:stCondLst>
+                                        </p:cTn>
+                                        <p:tgtEl>
+                                          <p:spTgt spid="5"/>
+                                        </p:tgtEl>
+                                        <p:attrNameLst>
+                                          <p:attrName>style.visibility</p:attrName>
+                                        </p:attrNameLst>
+                                      </p:cBhvr>
+                                      <p:to>
+                                        <p:strVal val="visible"/>
+                                      </p:to>
+                                    </p:set>
+                                  </p:childTnLst>
+                                </p:cTn>
+                              </p:par>
+                            </p:childTnLst>
+                          </p:cTn>
+                        </p:par>
+                      </p:childTnLst>
+                    </p:cTn>
+                  </p:par>
+                  <p:par>
+                    <p:cTn id="19" fill="hold">
+                      <p:stCondLst>
+                        <p:cond delay="indefinite"/>
+                      </p:stCondLst>
+                      <p:childTnLst>
+                        <p:par>
+                          <p:cTn id="20" fill="hold">
+                            <p:stCondLst>
+                              <p:cond delay="0"/>
+                            </p:stCondLst>
+                            <p:childTnLst>
+                              <p:par>
+                                <p:cTn id="21" presetID="1" presetClass="entr" presetSubtype="0" fill="hold" nodeType="clickEffect">
+                                  <p:stCondLst>
+                                    <p:cond delay="0"/>
+                                  </p:stCondLst>
+                                  <p:childTnLst>
+                                    <p:set>
+                                      <p:cBhvr>
+                                        <p:cTn id="22" dur="1" fill="hold">
+                                          <p:stCondLst>
+                                            <p:cond delay="0"/>
+                                          </p:stCondLst>
+                                        </p:cTn>
+                                        <p:tgtEl>
+                                          <p:spTgt spid="4"/>
+                                        </p:tgtEl>
+                                        <p:attrNameLst>
+                                          <p:attrName>style.visibility</p:attrName>
+                                        </p:attrNameLst>
+                                      </p:cBhvr>
+                                      <p:to>
+                                        <p:strVal val="visible"/>
+                                      </p:to>
+                                    </p:set>
+                                  </p:childTnLst>
+                                </p:cTn>
+                              </p:par>
+                            </p:childTnLst>
+                          </p:cTn>
+                        </p:par>
+                      </p:childTnLst>
+                    </p:cTn>
+                  </p:par>
+                  <p:par>
+                    <p:cTn id="23" fill="hold">
+                      <p:stCondLst>
+                        <p:cond delay="indefinite"/>
+                      </p:stCondLst>
+                      <p:childTnLst>
+                        <p:par>
+                          <p:cTn id="24" fill="hold">
+                            <p:stCondLst>
+                              <p:cond delay="0"/>
+                            </p:stCondLst>
+                            <p:childTnLst>
+                              <p:par>
+                                <p:cTn id="25" presetID="1" presetClass="entr" presetSubtype="0" fill="hold" nodeType="clickEffect">
+                                  <p:stCondLst>
+                                    <p:cond delay="0"/>
+                                  </p:stCondLst>
+                                  <p:childTnLst>
+                                    <p:set>
+                                      <p:cBhvr>
+                                        <p:cTn id="26" dur="1" fill="hold">
+                                          <p:stCondLst>
+                                            <p:cond delay="0"/>
+                                          </p:stCondLst>
+                                        </p:cTn>
+                                        <p:tgtEl>
+                                          <p:spTgt spid="6"/>
+                                        </p:tgtEl>
+                                        <p:attrNameLst>
+                                          <p:attrName>style.visibility</p:attrName>
+                                        </p:attrNameLst>
+                                      </p:cBhvr>
+                                      <p:to>
+                                        <p:strVal val="visible"/>
+                                      </p:to>
+                                    </p:set>
+                                  </p:childTnLst>
+                                </p:cTn>
+                              </p:par>
+                            </p:childTnLst>
+                          </p:cTn>
+                        </p:par>
+                      </p:childTnLst>
+                    </p:cTn>
+                  </p:par>
+                  <p:par>
+                    <p:cTn id="27" fill="hold">
+                      <p:stCondLst>
+                        <p:cond delay="indefinite"/>
+                      </p:stCondLst>
+                      <p:childTnLst>
+                        <p:par>
+                          <p:cTn id="28" fill="hold">
+                            <p:stCondLst>
+                              <p:cond delay="0"/>
+                            </p:stCondLst>
+                            <p:childTnLst>
+                              <p:par>
+                                <p:cTn id="29" presetID="1" presetClass="entr" presetSubtype="0" fill="hold" nodeType="clickEffect">
+                                  <p:stCondLst>
+                                    <p:cond delay="0"/>
+                                  </p:stCondLst>
+                                  <p:childTnLst>
+                                    <p:set>
+                                      <p:cBhvr>
+                                        <p:cTn id="30" dur="1" fill="hold">
                                           <p:stCondLst>
                                             <p:cond delay="0"/>
                                           </p:stCondLst>
@@ -22740,6 +23673,11 @@
         </p:cTn>
       </p:par>
     </p:tnLst>
+    <p:bldLst>
+      <p:bldP spid="3" grpId="0" animBg="1"/>
+      <p:bldP spid="8" grpId="0" animBg="1"/>
+      <p:bldP spid="9" grpId="0" animBg="1"/>
+    </p:bldLst>
   </p:timing>
 </p:sld>
 </file>
